--- a/Open Dev Framework/Docker/Docker and Azure Container Service.pptx
+++ b/Open Dev Framework/Docker/Docker and Azure Container Service.pptx
@@ -6,7 +6,7 @@
     <p:sldMasterId id="2147483663" r:id="rId2"/>
   </p:sldMasterIdLst>
   <p:notesMasterIdLst>
-    <p:notesMasterId r:id="rId15"/>
+    <p:notesMasterId r:id="rId14"/>
   </p:notesMasterIdLst>
   <p:sldIdLst>
     <p:sldId id="256" r:id="rId3"/>
@@ -19,8 +19,7 @@
     <p:sldId id="309" r:id="rId10"/>
     <p:sldId id="311" r:id="rId11"/>
     <p:sldId id="317" r:id="rId12"/>
-    <p:sldId id="295" r:id="rId13"/>
-    <p:sldId id="299" r:id="rId14"/>
+    <p:sldId id="299" r:id="rId13"/>
   </p:sldIdLst>
   <p:sldSz cx="12192000" cy="6858000"/>
   <p:notesSz cx="6858000" cy="9144000"/>
@@ -209,7 +208,7 @@
           <a:p>
             <a:fld id="{49B60EF2-7028-489F-85D8-FE86CD7CF2A0}" type="datetimeFigureOut">
               <a:rPr lang="en-US" smtClean="0"/>
-              <a:t>9/26/2016</a:t>
+              <a:t>10/1/2016</a:t>
             </a:fld>
             <a:endParaRPr lang="en-US"/>
           </a:p>
@@ -1875,7 +1874,7 @@
           <a:p>
             <a:fld id="{0459C166-16D3-4A25-A2F8-C51E0E346B22}" type="datetimeFigureOut">
               <a:rPr lang="en-US" smtClean="0"/>
-              <a:t>9/26/2016</a:t>
+              <a:t>10/1/2016</a:t>
             </a:fld>
             <a:endParaRPr lang="en-US"/>
           </a:p>
@@ -1970,7 +1969,7 @@
           <a:p>
             <a:fld id="{0459C166-16D3-4A25-A2F8-C51E0E346B22}" type="datetimeFigureOut">
               <a:rPr lang="en-US" smtClean="0"/>
-              <a:t>9/26/2016</a:t>
+              <a:t>10/1/2016</a:t>
             </a:fld>
             <a:endParaRPr lang="en-US"/>
           </a:p>
@@ -2245,7 +2244,7 @@
           <a:p>
             <a:fld id="{0459C166-16D3-4A25-A2F8-C51E0E346B22}" type="datetimeFigureOut">
               <a:rPr lang="en-US" smtClean="0"/>
-              <a:t>9/26/2016</a:t>
+              <a:t>10/1/2016</a:t>
             </a:fld>
             <a:endParaRPr lang="en-US"/>
           </a:p>
@@ -2497,7 +2496,7 @@
           <a:p>
             <a:fld id="{0459C166-16D3-4A25-A2F8-C51E0E346B22}" type="datetimeFigureOut">
               <a:rPr lang="en-US" smtClean="0"/>
-              <a:t>9/26/2016</a:t>
+              <a:t>10/1/2016</a:t>
             </a:fld>
             <a:endParaRPr lang="en-US"/>
           </a:p>
@@ -2665,7 +2664,7 @@
           <a:p>
             <a:fld id="{0459C166-16D3-4A25-A2F8-C51E0E346B22}" type="datetimeFigureOut">
               <a:rPr lang="en-US" smtClean="0"/>
-              <a:t>9/26/2016</a:t>
+              <a:t>10/1/2016</a:t>
             </a:fld>
             <a:endParaRPr lang="en-US"/>
           </a:p>
@@ -2843,7 +2842,7 @@
           <a:p>
             <a:fld id="{0459C166-16D3-4A25-A2F8-C51E0E346B22}" type="datetimeFigureOut">
               <a:rPr lang="en-US" smtClean="0"/>
-              <a:t>9/26/2016</a:t>
+              <a:t>10/1/2016</a:t>
             </a:fld>
             <a:endParaRPr lang="en-US"/>
           </a:p>
@@ -4770,7 +4769,7 @@
           <a:p>
             <a:fld id="{0459C166-16D3-4A25-A2F8-C51E0E346B22}" type="datetimeFigureOut">
               <a:rPr lang="en-US" smtClean="0"/>
-              <a:t>9/26/2016</a:t>
+              <a:t>10/1/2016</a:t>
             </a:fld>
             <a:endParaRPr lang="en-US"/>
           </a:p>
@@ -10397,7 +10396,7 @@
             <a:fld id="{0459C166-16D3-4A25-A2F8-C51E0E346B22}" type="datetimeFigureOut">
               <a:rPr lang="en-US" smtClean="0"/>
               <a:pPr/>
-              <a:t>9/26/2016</a:t>
+              <a:t>10/1/2016</a:t>
             </a:fld>
             <a:endParaRPr lang="en-US"/>
           </a:p>
@@ -14459,7 +14458,7 @@
           <a:p>
             <a:fld id="{0459C166-16D3-4A25-A2F8-C51E0E346B22}" type="datetimeFigureOut">
               <a:rPr lang="en-US" smtClean="0"/>
-              <a:t>9/26/2016</a:t>
+              <a:t>10/1/2016</a:t>
             </a:fld>
             <a:endParaRPr lang="en-US"/>
           </a:p>
@@ -14823,7 +14822,7 @@
           <a:p>
             <a:fld id="{0459C166-16D3-4A25-A2F8-C51E0E346B22}" type="datetimeFigureOut">
               <a:rPr lang="en-US" smtClean="0"/>
-              <a:t>9/26/2016</a:t>
+              <a:t>10/1/2016</a:t>
             </a:fld>
             <a:endParaRPr lang="en-US"/>
           </a:p>
@@ -14940,7 +14939,7 @@
           <a:p>
             <a:fld id="{0459C166-16D3-4A25-A2F8-C51E0E346B22}" type="datetimeFigureOut">
               <a:rPr lang="en-US" smtClean="0"/>
-              <a:t>9/26/2016</a:t>
+              <a:t>10/1/2016</a:t>
             </a:fld>
             <a:endParaRPr lang="en-US"/>
           </a:p>
@@ -15151,7 +15150,7 @@
           <a:p>
             <a:fld id="{0459C166-16D3-4A25-A2F8-C51E0E346B22}" type="datetimeFigureOut">
               <a:rPr lang="en-US" smtClean="0"/>
-              <a:t>9/26/2016</a:t>
+              <a:t>10/1/2016</a:t>
             </a:fld>
             <a:endParaRPr lang="en-US"/>
           </a:p>
@@ -16444,10 +16443,6 @@
               <a:rPr lang="en-US" dirty="0" smtClean="0"/>
               <a:t>Docker and</a:t>
             </a:r>
-            <a:r>
-              <a:rPr lang="en-US" dirty="0" smtClean="0"/>
-              <a:t/>
-            </a:r>
             <a:br>
               <a:rPr lang="en-US" dirty="0" smtClean="0"/>
             </a:br>
@@ -16985,82 +16980,6 @@
 </file>
 
 <file path=ppt/slides/slide11.xml><?xml version="1.0" encoding="utf-8"?>
-<p:sld xmlns:a="http://schemas.openxmlformats.org/drawingml/2006/main" xmlns:r="http://schemas.openxmlformats.org/officeDocument/2006/relationships" xmlns:p="http://schemas.openxmlformats.org/presentationml/2006/main">
-  <p:cSld>
-    <p:spTree>
-      <p:nvGrpSpPr>
-        <p:cNvPr id="1" name=""/>
-        <p:cNvGrpSpPr/>
-        <p:nvPr/>
-      </p:nvGrpSpPr>
-      <p:grpSpPr>
-        <a:xfrm>
-          <a:off x="0" y="0"/>
-          <a:ext cx="0" cy="0"/>
-          <a:chOff x="0" y="0"/>
-          <a:chExt cx="0" cy="0"/>
-        </a:xfrm>
-      </p:grpSpPr>
-      <p:sp>
-        <p:nvSpPr>
-          <p:cNvPr id="4" name="Title 3"/>
-          <p:cNvSpPr>
-            <a:spLocks noGrp="1"/>
-          </p:cNvSpPr>
-          <p:nvPr>
-            <p:ph type="title"/>
-          </p:nvPr>
-        </p:nvSpPr>
-        <p:spPr/>
-        <p:txBody>
-          <a:bodyPr/>
-          <a:lstStyle/>
-          <a:p>
-            <a:r>
-              <a:rPr lang="en-US" dirty="0" smtClean="0"/>
-              <a:t>Hands-On Lab</a:t>
-            </a:r>
-            <a:endParaRPr lang="en-US" dirty="0"/>
-          </a:p>
-        </p:txBody>
-      </p:sp>
-      <p:sp>
-        <p:nvSpPr>
-          <p:cNvPr id="5" name="Text Placeholder 4"/>
-          <p:cNvSpPr>
-            <a:spLocks noGrp="1"/>
-          </p:cNvSpPr>
-          <p:nvPr>
-            <p:ph type="body" idx="1"/>
-          </p:nvPr>
-        </p:nvSpPr>
-        <p:spPr/>
-        <p:txBody>
-          <a:bodyPr/>
-          <a:lstStyle/>
-          <a:p>
-            <a:r>
-              <a:rPr lang="en-US" dirty="0" smtClean="0"/>
-              <a:t>Docker and Azure Container Service HOL.html</a:t>
-            </a:r>
-            <a:endParaRPr lang="en-US" dirty="0" smtClean="0"/>
-          </a:p>
-        </p:txBody>
-      </p:sp>
-    </p:spTree>
-    <p:extLst>
-      <p:ext uri="{BB962C8B-B14F-4D97-AF65-F5344CB8AC3E}">
-        <p14:creationId xmlns:p14="http://schemas.microsoft.com/office/powerpoint/2010/main" val="3335184859"/>
-      </p:ext>
-    </p:extLst>
-  </p:cSld>
-  <p:clrMapOvr>
-    <a:masterClrMapping/>
-  </p:clrMapOvr>
-</p:sld>
-</file>
-
-<file path=ppt/slides/slide12.xml><?xml version="1.0" encoding="utf-8"?>
 <p:sld xmlns:a="http://schemas.openxmlformats.org/drawingml/2006/main" xmlns:r="http://schemas.openxmlformats.org/officeDocument/2006/relationships" xmlns:p="http://schemas.openxmlformats.org/presentationml/2006/main">
   <p:cSld>
     <p:spTree>
